--- a/concepts/UI.pptx
+++ b/concepts/UI.pptx
@@ -3113,7 +3113,91 @@
           </a:bodyPr>
           <a:lstStyle/>
           <a:p>
-            <a:endParaRPr lang="en-US" altLang="ko-KR" sz="2400" dirty="0" smtClean="0">
+            <a:r>
+              <a:rPr lang="ko-KR" altLang="en-US" sz="2000" dirty="0" smtClean="0">
+                <a:solidFill>
+                  <a:schemeClr val="bg1"/>
+                </a:solidFill>
+              </a:rPr>
+              <a:t>타워를 놓는 공간은 어두운 색</a:t>
+            </a:r>
+            <a:endParaRPr lang="en-US" altLang="ko-KR" sz="2000" dirty="0" smtClean="0">
+              <a:solidFill>
+                <a:schemeClr val="bg1"/>
+              </a:solidFill>
+            </a:endParaRPr>
+          </a:p>
+          <a:p>
+            <a:r>
+              <a:rPr lang="ko-KR" altLang="en-US" sz="2000" dirty="0" smtClean="0">
+                <a:solidFill>
+                  <a:schemeClr val="bg1"/>
+                </a:solidFill>
+              </a:rPr>
+              <a:t>길은 밝은 색</a:t>
+            </a:r>
+            <a:endParaRPr lang="en-US" altLang="ko-KR" sz="2000" dirty="0" smtClean="0">
+              <a:solidFill>
+                <a:schemeClr val="bg1"/>
+              </a:solidFill>
+            </a:endParaRPr>
+          </a:p>
+          <a:p>
+            <a:endParaRPr lang="en-US" altLang="ko-KR" sz="2000" dirty="0">
+              <a:solidFill>
+                <a:schemeClr val="bg1"/>
+              </a:solidFill>
+            </a:endParaRPr>
+          </a:p>
+          <a:p>
+            <a:r>
+              <a:rPr lang="ko-KR" altLang="en-US" sz="2000" dirty="0" smtClean="0">
+                <a:solidFill>
+                  <a:schemeClr val="bg1"/>
+                </a:solidFill>
+              </a:rPr>
+              <a:t>적군을 어둡고 흐리멍텅한 색으로</a:t>
+            </a:r>
+            <a:endParaRPr lang="en-US" altLang="ko-KR" sz="2000" dirty="0" smtClean="0">
+              <a:solidFill>
+                <a:schemeClr val="bg1"/>
+              </a:solidFill>
+            </a:endParaRPr>
+          </a:p>
+          <a:p>
+            <a:endParaRPr lang="en-US" altLang="ko-KR" sz="2000" dirty="0">
+              <a:solidFill>
+                <a:schemeClr val="bg1"/>
+              </a:solidFill>
+            </a:endParaRPr>
+          </a:p>
+          <a:p>
+            <a:r>
+              <a:rPr lang="ko-KR" altLang="en-US" sz="2000" dirty="0" smtClean="0">
+                <a:solidFill>
+                  <a:schemeClr val="bg1"/>
+                </a:solidFill>
+              </a:rPr>
+              <a:t>빨간색 포탑으로 적을 죽이면 빨간색 이펙트와 함께 죽는다</a:t>
+            </a:r>
+            <a:r>
+              <a:rPr lang="en-US" altLang="ko-KR" sz="2000" dirty="0" smtClean="0">
+                <a:solidFill>
+                  <a:schemeClr val="bg1"/>
+                </a:solidFill>
+              </a:rPr>
+              <a:t>.</a:t>
+            </a:r>
+          </a:p>
+          <a:p>
+            <a:endParaRPr lang="en-US" altLang="ko-KR" sz="2000" dirty="0">
+              <a:solidFill>
+                <a:schemeClr val="bg1"/>
+              </a:solidFill>
+            </a:endParaRPr>
+          </a:p>
+          <a:p>
+            <a:endParaRPr lang="en-US" altLang="ko-KR" sz="2000" dirty="0" smtClean="0">
               <a:solidFill>
                 <a:schemeClr val="bg1"/>
               </a:solidFill>
@@ -3132,6 +3216,78 @@
                 <a:schemeClr val="bg1"/>
               </a:solidFill>
             </a:endParaRPr>
+          </a:p>
+        </p:txBody>
+      </p:sp>
+      <p:pic>
+        <p:nvPicPr>
+          <p:cNvPr id="4" name="Picture 3"/>
+          <p:cNvPicPr>
+            <a:picLocks noChangeAspect="1"/>
+          </p:cNvPicPr>
+          <p:nvPr/>
+        </p:nvPicPr>
+        <p:blipFill>
+          <a:blip r:embed="rId2"/>
+          <a:stretch>
+            <a:fillRect/>
+          </a:stretch>
+        </p:blipFill>
+        <p:spPr>
+          <a:xfrm>
+            <a:off x="7277100" y="660877"/>
+            <a:ext cx="3373120" cy="1897380"/>
+          </a:xfrm>
+          <a:prstGeom prst="rect">
+            <a:avLst/>
+          </a:prstGeom>
+        </p:spPr>
+      </p:pic>
+      <p:sp>
+        <p:nvSpPr>
+          <p:cNvPr id="5" name="4-Point Star 4"/>
+          <p:cNvSpPr/>
+          <p:nvPr/>
+        </p:nvSpPr>
+        <p:spPr>
+          <a:xfrm>
+            <a:off x="1318260" y="5052060"/>
+            <a:ext cx="662940" cy="617220"/>
+          </a:xfrm>
+          <a:prstGeom prst="star4">
+            <a:avLst/>
+          </a:prstGeom>
+          <a:solidFill>
+            <a:srgbClr val="00B0F0"/>
+          </a:solidFill>
+          <a:ln>
+            <a:solidFill>
+              <a:schemeClr val="bg1"/>
+            </a:solidFill>
+          </a:ln>
+        </p:spPr>
+        <p:style>
+          <a:lnRef idx="2">
+            <a:schemeClr val="accent1">
+              <a:shade val="50000"/>
+            </a:schemeClr>
+          </a:lnRef>
+          <a:fillRef idx="1">
+            <a:schemeClr val="accent1"/>
+          </a:fillRef>
+          <a:effectRef idx="0">
+            <a:schemeClr val="accent1"/>
+          </a:effectRef>
+          <a:fontRef idx="minor">
+            <a:schemeClr val="lt1"/>
+          </a:fontRef>
+        </p:style>
+        <p:txBody>
+          <a:bodyPr rtlCol="0" anchor="ctr"/>
+          <a:lstStyle/>
+          <a:p>
+            <a:pPr algn="ctr"/>
+            <a:endParaRPr lang="ko-KR" altLang="en-US"/>
           </a:p>
         </p:txBody>
       </p:sp>
